--- a/pictures/Capa.pptx
+++ b/pictures/Capa.pptx
@@ -7,7 +7,7 @@
   <p:sldIdLst>
     <p:sldId id="256" r:id="rId3"/>
   </p:sldIdLst>
-  <p:sldSz cx="216000013" cy="115200113"/>
+  <p:sldSz cx="12193588" cy="3044825"/>
   <p:notesSz cx="7559675" cy="10691813"/>
 </p:presentation>
 </file>
@@ -36,7 +36,7 @@
             <a:spLocks noGrp="1"/>
           </p:cNvSpPr>
           <p:nvPr>
-            <p:ph type="ftr" idx="2"/>
+            <p:ph type="ftr" idx="1"/>
           </p:nvPr>
         </p:nvSpPr>
         <p:spPr/>
@@ -56,14 +56,14 @@
             <a:spLocks noGrp="1"/>
           </p:cNvSpPr>
           <p:nvPr>
-            <p:ph type="sldNum" idx="3"/>
-          </p:nvPr>
-        </p:nvSpPr>
-        <p:spPr/>
-        <p:txBody>
-          <a:bodyPr/>
-          <a:p>
-            <a:fld id="{37607AAC-80C0-4CCD-BFBE-D2D0AF4C7917}" type="slidenum">
+            <p:ph type="sldNum" idx="2"/>
+          </p:nvPr>
+        </p:nvSpPr>
+        <p:spPr/>
+        <p:txBody>
+          <a:bodyPr/>
+          <a:p>
+            <a:fld id="{1986D343-0FAE-4BC1-8591-D27596CD3177}" type="slidenum">
               <a:t>&lt;#&gt;</a:t>
             </a:fld>
           </a:p>
@@ -76,7 +76,7 @@
             <a:spLocks noGrp="1"/>
           </p:cNvSpPr>
           <p:nvPr>
-            <p:ph type="dt" idx="1"/>
+            <p:ph type="dt" idx="3"/>
           </p:nvPr>
         </p:nvSpPr>
         <p:spPr/>
@@ -124,8 +124,8 @@
         </p:nvSpPr>
         <p:spPr>
           <a:xfrm>
-            <a:off x="10799640" y="4593240"/>
-            <a:ext cx="194392440" cy="19229400"/>
+            <a:off x="609120" y="121320"/>
+            <a:ext cx="10973520" cy="508320"/>
           </a:xfrm>
           <a:prstGeom prst="rect">
             <a:avLst/>
@@ -143,7 +143,7 @@
             <a:pPr indent="0" algn="ctr">
               <a:buNone/>
             </a:pPr>
-            <a:endParaRPr b="0" lang="pt-BR" sz="89380" spc="-1" strike="noStrike">
+            <a:endParaRPr b="0" lang="pt-BR" sz="110" spc="-1" strike="noStrike">
               <a:solidFill>
                 <a:srgbClr val="000000"/>
               </a:solidFill>
@@ -164,8 +164,8 @@
         </p:nvSpPr>
         <p:spPr>
           <a:xfrm>
-            <a:off x="10799640" y="26952840"/>
-            <a:ext cx="194392440" cy="31867560"/>
+            <a:off x="609480" y="712440"/>
+            <a:ext cx="10973880" cy="842400"/>
           </a:xfrm>
           <a:prstGeom prst="rect">
             <a:avLst/>
@@ -182,11 +182,11 @@
           <a:p>
             <a:pPr indent="0">
               <a:spcBef>
-                <a:spcPts val="28794"/>
+                <a:spcPts val="34"/>
               </a:spcBef>
               <a:buNone/>
             </a:pPr>
-            <a:endParaRPr b="0" lang="pt-BR" sz="65020" spc="-1" strike="noStrike">
+            <a:endParaRPr b="0" lang="pt-BR" sz="80" spc="-1" strike="noStrike">
               <a:solidFill>
                 <a:srgbClr val="000000"/>
               </a:solidFill>
@@ -207,8 +207,8 @@
         </p:nvSpPr>
         <p:spPr>
           <a:xfrm>
-            <a:off x="10799640" y="61848360"/>
-            <a:ext cx="194392440" cy="31867560"/>
+            <a:off x="609480" y="1635120"/>
+            <a:ext cx="10973880" cy="842400"/>
           </a:xfrm>
           <a:prstGeom prst="rect">
             <a:avLst/>
@@ -225,11 +225,11 @@
           <a:p>
             <a:pPr indent="0">
               <a:spcBef>
-                <a:spcPts val="28794"/>
+                <a:spcPts val="34"/>
               </a:spcBef>
               <a:buNone/>
             </a:pPr>
-            <a:endParaRPr b="0" lang="pt-BR" sz="65020" spc="-1" strike="noStrike">
+            <a:endParaRPr b="0" lang="pt-BR" sz="80" spc="-1" strike="noStrike">
               <a:solidFill>
                 <a:srgbClr val="000000"/>
               </a:solidFill>
@@ -245,7 +245,7 @@
             <a:spLocks noGrp="1"/>
           </p:cNvSpPr>
           <p:nvPr>
-            <p:ph type="ftr" idx="2"/>
+            <p:ph type="ftr" idx="1"/>
           </p:nvPr>
         </p:nvSpPr>
         <p:spPr/>
@@ -265,14 +265,14 @@
             <a:spLocks noGrp="1"/>
           </p:cNvSpPr>
           <p:nvPr>
-            <p:ph type="sldNum" idx="3"/>
-          </p:nvPr>
-        </p:nvSpPr>
-        <p:spPr/>
-        <p:txBody>
-          <a:bodyPr/>
-          <a:p>
-            <a:fld id="{D26F25BD-51D3-43F8-8047-1AAFD49295C2}" type="slidenum">
+            <p:ph type="sldNum" idx="2"/>
+          </p:nvPr>
+        </p:nvSpPr>
+        <p:spPr/>
+        <p:txBody>
+          <a:bodyPr/>
+          <a:p>
+            <a:fld id="{C46669D2-E42D-4230-8F63-B0E939A1508B}" type="slidenum">
               <a:t>&lt;#&gt;</a:t>
             </a:fld>
           </a:p>
@@ -285,7 +285,7 @@
             <a:spLocks noGrp="1"/>
           </p:cNvSpPr>
           <p:nvPr>
-            <p:ph type="dt" idx="1"/>
+            <p:ph type="dt" idx="3"/>
           </p:nvPr>
         </p:nvSpPr>
         <p:spPr/>
@@ -333,8 +333,8 @@
         </p:nvSpPr>
         <p:spPr>
           <a:xfrm>
-            <a:off x="10799640" y="4593240"/>
-            <a:ext cx="194392440" cy="19229400"/>
+            <a:off x="609120" y="121320"/>
+            <a:ext cx="10973520" cy="508320"/>
           </a:xfrm>
           <a:prstGeom prst="rect">
             <a:avLst/>
@@ -352,7 +352,7 @@
             <a:pPr indent="0" algn="ctr">
               <a:buNone/>
             </a:pPr>
-            <a:endParaRPr b="0" lang="pt-BR" sz="89380" spc="-1" strike="noStrike">
+            <a:endParaRPr b="0" lang="pt-BR" sz="110" spc="-1" strike="noStrike">
               <a:solidFill>
                 <a:srgbClr val="000000"/>
               </a:solidFill>
@@ -373,8 +373,8 @@
         </p:nvSpPr>
         <p:spPr>
           <a:xfrm>
-            <a:off x="10799640" y="26952840"/>
-            <a:ext cx="94863240" cy="31867560"/>
+            <a:off x="609480" y="712440"/>
+            <a:ext cx="5355000" cy="842400"/>
           </a:xfrm>
           <a:prstGeom prst="rect">
             <a:avLst/>
@@ -391,11 +391,11 @@
           <a:p>
             <a:pPr indent="0">
               <a:spcBef>
-                <a:spcPts val="28794"/>
+                <a:spcPts val="34"/>
               </a:spcBef>
               <a:buNone/>
             </a:pPr>
-            <a:endParaRPr b="0" lang="pt-BR" sz="65020" spc="-1" strike="noStrike">
+            <a:endParaRPr b="0" lang="pt-BR" sz="80" spc="-1" strike="noStrike">
               <a:solidFill>
                 <a:srgbClr val="000000"/>
               </a:solidFill>
@@ -416,8 +416,8 @@
         </p:nvSpPr>
         <p:spPr>
           <a:xfrm>
-            <a:off x="110406600" y="26952840"/>
-            <a:ext cx="94863240" cy="31867560"/>
+            <a:off x="6232680" y="712440"/>
+            <a:ext cx="5355000" cy="842400"/>
           </a:xfrm>
           <a:prstGeom prst="rect">
             <a:avLst/>
@@ -434,11 +434,11 @@
           <a:p>
             <a:pPr indent="0">
               <a:spcBef>
-                <a:spcPts val="28794"/>
+                <a:spcPts val="34"/>
               </a:spcBef>
               <a:buNone/>
             </a:pPr>
-            <a:endParaRPr b="0" lang="pt-BR" sz="65020" spc="-1" strike="noStrike">
+            <a:endParaRPr b="0" lang="pt-BR" sz="80" spc="-1" strike="noStrike">
               <a:solidFill>
                 <a:srgbClr val="000000"/>
               </a:solidFill>
@@ -459,8 +459,8 @@
         </p:nvSpPr>
         <p:spPr>
           <a:xfrm>
-            <a:off x="10799640" y="61848360"/>
-            <a:ext cx="94863240" cy="31867560"/>
+            <a:off x="609480" y="1635120"/>
+            <a:ext cx="5355000" cy="842400"/>
           </a:xfrm>
           <a:prstGeom prst="rect">
             <a:avLst/>
@@ -477,11 +477,11 @@
           <a:p>
             <a:pPr indent="0">
               <a:spcBef>
-                <a:spcPts val="28794"/>
+                <a:spcPts val="34"/>
               </a:spcBef>
               <a:buNone/>
             </a:pPr>
-            <a:endParaRPr b="0" lang="pt-BR" sz="65020" spc="-1" strike="noStrike">
+            <a:endParaRPr b="0" lang="pt-BR" sz="80" spc="-1" strike="noStrike">
               <a:solidFill>
                 <a:srgbClr val="000000"/>
               </a:solidFill>
@@ -502,8 +502,8 @@
         </p:nvSpPr>
         <p:spPr>
           <a:xfrm>
-            <a:off x="110406600" y="61848360"/>
-            <a:ext cx="94863240" cy="31867560"/>
+            <a:off x="6232680" y="1635120"/>
+            <a:ext cx="5355000" cy="842400"/>
           </a:xfrm>
           <a:prstGeom prst="rect">
             <a:avLst/>
@@ -520,11 +520,11 @@
           <a:p>
             <a:pPr indent="0">
               <a:spcBef>
-                <a:spcPts val="28794"/>
+                <a:spcPts val="34"/>
               </a:spcBef>
               <a:buNone/>
             </a:pPr>
-            <a:endParaRPr b="0" lang="pt-BR" sz="65020" spc="-1" strike="noStrike">
+            <a:endParaRPr b="0" lang="pt-BR" sz="80" spc="-1" strike="noStrike">
               <a:solidFill>
                 <a:srgbClr val="000000"/>
               </a:solidFill>
@@ -540,7 +540,7 @@
             <a:spLocks noGrp="1"/>
           </p:cNvSpPr>
           <p:nvPr>
-            <p:ph type="ftr" idx="2"/>
+            <p:ph type="ftr" idx="1"/>
           </p:nvPr>
         </p:nvSpPr>
         <p:spPr/>
@@ -560,14 +560,14 @@
             <a:spLocks noGrp="1"/>
           </p:cNvSpPr>
           <p:nvPr>
-            <p:ph type="sldNum" idx="3"/>
-          </p:nvPr>
-        </p:nvSpPr>
-        <p:spPr/>
-        <p:txBody>
-          <a:bodyPr/>
-          <a:p>
-            <a:fld id="{F9776037-FCF9-4ED5-AB64-37C82AB739DE}" type="slidenum">
+            <p:ph type="sldNum" idx="2"/>
+          </p:nvPr>
+        </p:nvSpPr>
+        <p:spPr/>
+        <p:txBody>
+          <a:bodyPr/>
+          <a:p>
+            <a:fld id="{13E58437-035F-4DAC-AD2F-2CE4A4FCA67A}" type="slidenum">
               <a:t>&lt;#&gt;</a:t>
             </a:fld>
           </a:p>
@@ -580,7 +580,7 @@
             <a:spLocks noGrp="1"/>
           </p:cNvSpPr>
           <p:nvPr>
-            <p:ph type="dt" idx="1"/>
+            <p:ph type="dt" idx="3"/>
           </p:nvPr>
         </p:nvSpPr>
         <p:spPr/>
@@ -628,8 +628,8 @@
         </p:nvSpPr>
         <p:spPr>
           <a:xfrm>
-            <a:off x="10799640" y="4593240"/>
-            <a:ext cx="194392440" cy="19229400"/>
+            <a:off x="609120" y="121320"/>
+            <a:ext cx="10973520" cy="508320"/>
           </a:xfrm>
           <a:prstGeom prst="rect">
             <a:avLst/>
@@ -647,7 +647,7 @@
             <a:pPr indent="0" algn="ctr">
               <a:buNone/>
             </a:pPr>
-            <a:endParaRPr b="0" lang="pt-BR" sz="89380" spc="-1" strike="noStrike">
+            <a:endParaRPr b="0" lang="pt-BR" sz="110" spc="-1" strike="noStrike">
               <a:solidFill>
                 <a:srgbClr val="000000"/>
               </a:solidFill>
@@ -668,8 +668,8 @@
         </p:nvSpPr>
         <p:spPr>
           <a:xfrm>
-            <a:off x="10799640" y="26952840"/>
-            <a:ext cx="62594280" cy="31867560"/>
+            <a:off x="609480" y="712440"/>
+            <a:ext cx="3533400" cy="842400"/>
           </a:xfrm>
           <a:prstGeom prst="rect">
             <a:avLst/>
@@ -686,11 +686,11 @@
           <a:p>
             <a:pPr indent="0">
               <a:spcBef>
-                <a:spcPts val="28794"/>
+                <a:spcPts val="34"/>
               </a:spcBef>
               <a:buNone/>
             </a:pPr>
-            <a:endParaRPr b="0" lang="pt-BR" sz="65020" spc="-1" strike="noStrike">
+            <a:endParaRPr b="0" lang="pt-BR" sz="80" spc="-1" strike="noStrike">
               <a:solidFill>
                 <a:srgbClr val="000000"/>
               </a:solidFill>
@@ -711,8 +711,8 @@
         </p:nvSpPr>
         <p:spPr>
           <a:xfrm>
-            <a:off x="76524120" y="26952840"/>
-            <a:ext cx="62594280" cy="31867560"/>
+            <a:off x="4320000" y="712440"/>
+            <a:ext cx="3533400" cy="842400"/>
           </a:xfrm>
           <a:prstGeom prst="rect">
             <a:avLst/>
@@ -729,11 +729,11 @@
           <a:p>
             <a:pPr indent="0">
               <a:spcBef>
-                <a:spcPts val="28794"/>
+                <a:spcPts val="34"/>
               </a:spcBef>
               <a:buNone/>
             </a:pPr>
-            <a:endParaRPr b="0" lang="pt-BR" sz="65020" spc="-1" strike="noStrike">
+            <a:endParaRPr b="0" lang="pt-BR" sz="80" spc="-1" strike="noStrike">
               <a:solidFill>
                 <a:srgbClr val="000000"/>
               </a:solidFill>
@@ -754,8 +754,8 @@
         </p:nvSpPr>
         <p:spPr>
           <a:xfrm>
-            <a:off x="142248240" y="26952840"/>
-            <a:ext cx="62594280" cy="31867560"/>
+            <a:off x="8030520" y="712440"/>
+            <a:ext cx="3533400" cy="842400"/>
           </a:xfrm>
           <a:prstGeom prst="rect">
             <a:avLst/>
@@ -772,11 +772,11 @@
           <a:p>
             <a:pPr indent="0">
               <a:spcBef>
-                <a:spcPts val="28794"/>
+                <a:spcPts val="34"/>
               </a:spcBef>
               <a:buNone/>
             </a:pPr>
-            <a:endParaRPr b="0" lang="pt-BR" sz="65020" spc="-1" strike="noStrike">
+            <a:endParaRPr b="0" lang="pt-BR" sz="80" spc="-1" strike="noStrike">
               <a:solidFill>
                 <a:srgbClr val="000000"/>
               </a:solidFill>
@@ -797,8 +797,8 @@
         </p:nvSpPr>
         <p:spPr>
           <a:xfrm>
-            <a:off x="10799640" y="61848360"/>
-            <a:ext cx="62594280" cy="31867560"/>
+            <a:off x="609480" y="1635120"/>
+            <a:ext cx="3533400" cy="842400"/>
           </a:xfrm>
           <a:prstGeom prst="rect">
             <a:avLst/>
@@ -815,11 +815,11 @@
           <a:p>
             <a:pPr indent="0">
               <a:spcBef>
-                <a:spcPts val="28794"/>
+                <a:spcPts val="34"/>
               </a:spcBef>
               <a:buNone/>
             </a:pPr>
-            <a:endParaRPr b="0" lang="pt-BR" sz="65020" spc="-1" strike="noStrike">
+            <a:endParaRPr b="0" lang="pt-BR" sz="80" spc="-1" strike="noStrike">
               <a:solidFill>
                 <a:srgbClr val="000000"/>
               </a:solidFill>
@@ -840,8 +840,8 @@
         </p:nvSpPr>
         <p:spPr>
           <a:xfrm>
-            <a:off x="76524120" y="61848360"/>
-            <a:ext cx="62594280" cy="31867560"/>
+            <a:off x="4320000" y="1635120"/>
+            <a:ext cx="3533400" cy="842400"/>
           </a:xfrm>
           <a:prstGeom prst="rect">
             <a:avLst/>
@@ -858,11 +858,11 @@
           <a:p>
             <a:pPr indent="0">
               <a:spcBef>
-                <a:spcPts val="28794"/>
+                <a:spcPts val="34"/>
               </a:spcBef>
               <a:buNone/>
             </a:pPr>
-            <a:endParaRPr b="0" lang="pt-BR" sz="65020" spc="-1" strike="noStrike">
+            <a:endParaRPr b="0" lang="pt-BR" sz="80" spc="-1" strike="noStrike">
               <a:solidFill>
                 <a:srgbClr val="000000"/>
               </a:solidFill>
@@ -883,8 +883,8 @@
         </p:nvSpPr>
         <p:spPr>
           <a:xfrm>
-            <a:off x="142248240" y="61848360"/>
-            <a:ext cx="62594280" cy="31867560"/>
+            <a:off x="8030520" y="1635120"/>
+            <a:ext cx="3533400" cy="842400"/>
           </a:xfrm>
           <a:prstGeom prst="rect">
             <a:avLst/>
@@ -901,11 +901,11 @@
           <a:p>
             <a:pPr indent="0">
               <a:spcBef>
-                <a:spcPts val="28794"/>
+                <a:spcPts val="34"/>
               </a:spcBef>
               <a:buNone/>
             </a:pPr>
-            <a:endParaRPr b="0" lang="pt-BR" sz="65020" spc="-1" strike="noStrike">
+            <a:endParaRPr b="0" lang="pt-BR" sz="80" spc="-1" strike="noStrike">
               <a:solidFill>
                 <a:srgbClr val="000000"/>
               </a:solidFill>
@@ -921,7 +921,7 @@
             <a:spLocks noGrp="1"/>
           </p:cNvSpPr>
           <p:nvPr>
-            <p:ph type="ftr" idx="2"/>
+            <p:ph type="ftr" idx="1"/>
           </p:nvPr>
         </p:nvSpPr>
         <p:spPr/>
@@ -941,14 +941,14 @@
             <a:spLocks noGrp="1"/>
           </p:cNvSpPr>
           <p:nvPr>
-            <p:ph type="sldNum" idx="3"/>
-          </p:nvPr>
-        </p:nvSpPr>
-        <p:spPr/>
-        <p:txBody>
-          <a:bodyPr/>
-          <a:p>
-            <a:fld id="{D7A9B603-8619-4AEB-BB6D-12DE380BF51D}" type="slidenum">
+            <p:ph type="sldNum" idx="2"/>
+          </p:nvPr>
+        </p:nvSpPr>
+        <p:spPr/>
+        <p:txBody>
+          <a:bodyPr/>
+          <a:p>
+            <a:fld id="{AA6B8604-E4BE-4394-9EF5-487635F98A65}" type="slidenum">
               <a:t>&lt;#&gt;</a:t>
             </a:fld>
           </a:p>
@@ -961,7 +961,7 @@
             <a:spLocks noGrp="1"/>
           </p:cNvSpPr>
           <p:nvPr>
-            <p:ph type="dt" idx="1"/>
+            <p:ph type="dt" idx="3"/>
           </p:nvPr>
         </p:nvSpPr>
         <p:spPr/>
@@ -1009,8 +1009,8 @@
         </p:nvSpPr>
         <p:spPr>
           <a:xfrm>
-            <a:off x="10799640" y="4593240"/>
-            <a:ext cx="194392440" cy="19229400"/>
+            <a:off x="609120" y="121320"/>
+            <a:ext cx="10973520" cy="508320"/>
           </a:xfrm>
           <a:prstGeom prst="rect">
             <a:avLst/>
@@ -1028,7 +1028,7 @@
             <a:pPr indent="0" algn="ctr">
               <a:buNone/>
             </a:pPr>
-            <a:endParaRPr b="0" lang="pt-BR" sz="89380" spc="-1" strike="noStrike">
+            <a:endParaRPr b="0" lang="pt-BR" sz="110" spc="-1" strike="noStrike">
               <a:solidFill>
                 <a:srgbClr val="000000"/>
               </a:solidFill>
@@ -1049,8 +1049,8 @@
         </p:nvSpPr>
         <p:spPr>
           <a:xfrm>
-            <a:off x="10799640" y="26952840"/>
-            <a:ext cx="194392440" cy="66808800"/>
+            <a:off x="609480" y="712440"/>
+            <a:ext cx="10973880" cy="1766520"/>
           </a:xfrm>
           <a:prstGeom prst="rect">
             <a:avLst/>
@@ -1084,7 +1084,7 @@
             <a:spLocks noGrp="1"/>
           </p:cNvSpPr>
           <p:nvPr>
-            <p:ph type="ftr" idx="2"/>
+            <p:ph type="ftr" idx="1"/>
           </p:nvPr>
         </p:nvSpPr>
         <p:spPr/>
@@ -1104,14 +1104,14 @@
             <a:spLocks noGrp="1"/>
           </p:cNvSpPr>
           <p:nvPr>
-            <p:ph type="sldNum" idx="3"/>
-          </p:nvPr>
-        </p:nvSpPr>
-        <p:spPr/>
-        <p:txBody>
-          <a:bodyPr/>
-          <a:p>
-            <a:fld id="{F50F1F12-1F31-4B21-AFA0-CCC45D76DA2E}" type="slidenum">
+            <p:ph type="sldNum" idx="2"/>
+          </p:nvPr>
+        </p:nvSpPr>
+        <p:spPr/>
+        <p:txBody>
+          <a:bodyPr/>
+          <a:p>
+            <a:fld id="{A7E19AFA-F015-41DC-8F82-414883F6FA3D}" type="slidenum">
               <a:t>&lt;#&gt;</a:t>
             </a:fld>
           </a:p>
@@ -1124,7 +1124,7 @@
             <a:spLocks noGrp="1"/>
           </p:cNvSpPr>
           <p:nvPr>
-            <p:ph type="dt" idx="1"/>
+            <p:ph type="dt" idx="3"/>
           </p:nvPr>
         </p:nvSpPr>
         <p:spPr/>
@@ -1172,8 +1172,8 @@
         </p:nvSpPr>
         <p:spPr>
           <a:xfrm>
-            <a:off x="10799640" y="4593240"/>
-            <a:ext cx="194392440" cy="19229400"/>
+            <a:off x="609120" y="121320"/>
+            <a:ext cx="10973520" cy="508320"/>
           </a:xfrm>
           <a:prstGeom prst="rect">
             <a:avLst/>
@@ -1191,7 +1191,7 @@
             <a:pPr indent="0" algn="ctr">
               <a:buNone/>
             </a:pPr>
-            <a:endParaRPr b="0" lang="pt-BR" sz="89380" spc="-1" strike="noStrike">
+            <a:endParaRPr b="0" lang="pt-BR" sz="110" spc="-1" strike="noStrike">
               <a:solidFill>
                 <a:srgbClr val="000000"/>
               </a:solidFill>
@@ -1212,8 +1212,8 @@
         </p:nvSpPr>
         <p:spPr>
           <a:xfrm>
-            <a:off x="10799640" y="26952840"/>
-            <a:ext cx="194392440" cy="66808800"/>
+            <a:off x="609480" y="712440"/>
+            <a:ext cx="10973880" cy="1766520"/>
           </a:xfrm>
           <a:prstGeom prst="rect">
             <a:avLst/>
@@ -1230,11 +1230,11 @@
           <a:p>
             <a:pPr indent="0">
               <a:spcBef>
-                <a:spcPts val="28794"/>
+                <a:spcPts val="34"/>
               </a:spcBef>
               <a:buNone/>
             </a:pPr>
-            <a:endParaRPr b="0" lang="pt-BR" sz="65020" spc="-1" strike="noStrike">
+            <a:endParaRPr b="0" lang="pt-BR" sz="80" spc="-1" strike="noStrike">
               <a:solidFill>
                 <a:srgbClr val="000000"/>
               </a:solidFill>
@@ -1250,7 +1250,7 @@
             <a:spLocks noGrp="1"/>
           </p:cNvSpPr>
           <p:nvPr>
-            <p:ph type="ftr" idx="2"/>
+            <p:ph type="ftr" idx="1"/>
           </p:nvPr>
         </p:nvSpPr>
         <p:spPr/>
@@ -1270,14 +1270,14 @@
             <a:spLocks noGrp="1"/>
           </p:cNvSpPr>
           <p:nvPr>
-            <p:ph type="sldNum" idx="3"/>
-          </p:nvPr>
-        </p:nvSpPr>
-        <p:spPr/>
-        <p:txBody>
-          <a:bodyPr/>
-          <a:p>
-            <a:fld id="{A111D7B3-2DAF-46F5-AF91-4D53697C19EF}" type="slidenum">
+            <p:ph type="sldNum" idx="2"/>
+          </p:nvPr>
+        </p:nvSpPr>
+        <p:spPr/>
+        <p:txBody>
+          <a:bodyPr/>
+          <a:p>
+            <a:fld id="{0B75A8E5-F00A-451C-AFA7-EBF569A704F7}" type="slidenum">
               <a:t>&lt;#&gt;</a:t>
             </a:fld>
           </a:p>
@@ -1290,7 +1290,7 @@
             <a:spLocks noGrp="1"/>
           </p:cNvSpPr>
           <p:nvPr>
-            <p:ph type="dt" idx="1"/>
+            <p:ph type="dt" idx="3"/>
           </p:nvPr>
         </p:nvSpPr>
         <p:spPr/>
@@ -1338,8 +1338,8 @@
         </p:nvSpPr>
         <p:spPr>
           <a:xfrm>
-            <a:off x="10799640" y="4593240"/>
-            <a:ext cx="194392440" cy="19229400"/>
+            <a:off x="609120" y="121320"/>
+            <a:ext cx="10973520" cy="508320"/>
           </a:xfrm>
           <a:prstGeom prst="rect">
             <a:avLst/>
@@ -1357,7 +1357,7 @@
             <a:pPr indent="0" algn="ctr">
               <a:buNone/>
             </a:pPr>
-            <a:endParaRPr b="0" lang="pt-BR" sz="89380" spc="-1" strike="noStrike">
+            <a:endParaRPr b="0" lang="pt-BR" sz="110" spc="-1" strike="noStrike">
               <a:solidFill>
                 <a:srgbClr val="000000"/>
               </a:solidFill>
@@ -1378,8 +1378,8 @@
         </p:nvSpPr>
         <p:spPr>
           <a:xfrm>
-            <a:off x="10799640" y="26952840"/>
-            <a:ext cx="94863240" cy="66808800"/>
+            <a:off x="609480" y="712440"/>
+            <a:ext cx="5355000" cy="1766520"/>
           </a:xfrm>
           <a:prstGeom prst="rect">
             <a:avLst/>
@@ -1396,11 +1396,11 @@
           <a:p>
             <a:pPr indent="0">
               <a:spcBef>
-                <a:spcPts val="28794"/>
+                <a:spcPts val="34"/>
               </a:spcBef>
               <a:buNone/>
             </a:pPr>
-            <a:endParaRPr b="0" lang="pt-BR" sz="65020" spc="-1" strike="noStrike">
+            <a:endParaRPr b="0" lang="pt-BR" sz="80" spc="-1" strike="noStrike">
               <a:solidFill>
                 <a:srgbClr val="000000"/>
               </a:solidFill>
@@ -1421,8 +1421,8 @@
         </p:nvSpPr>
         <p:spPr>
           <a:xfrm>
-            <a:off x="110406600" y="26952840"/>
-            <a:ext cx="94863240" cy="66808800"/>
+            <a:off x="6232680" y="712440"/>
+            <a:ext cx="5355000" cy="1766520"/>
           </a:xfrm>
           <a:prstGeom prst="rect">
             <a:avLst/>
@@ -1439,11 +1439,11 @@
           <a:p>
             <a:pPr indent="0">
               <a:spcBef>
-                <a:spcPts val="28794"/>
+                <a:spcPts val="34"/>
               </a:spcBef>
               <a:buNone/>
             </a:pPr>
-            <a:endParaRPr b="0" lang="pt-BR" sz="65020" spc="-1" strike="noStrike">
+            <a:endParaRPr b="0" lang="pt-BR" sz="80" spc="-1" strike="noStrike">
               <a:solidFill>
                 <a:srgbClr val="000000"/>
               </a:solidFill>
@@ -1459,7 +1459,7 @@
             <a:spLocks noGrp="1"/>
           </p:cNvSpPr>
           <p:nvPr>
-            <p:ph type="ftr" idx="2"/>
+            <p:ph type="ftr" idx="1"/>
           </p:nvPr>
         </p:nvSpPr>
         <p:spPr/>
@@ -1479,14 +1479,14 @@
             <a:spLocks noGrp="1"/>
           </p:cNvSpPr>
           <p:nvPr>
-            <p:ph type="sldNum" idx="3"/>
-          </p:nvPr>
-        </p:nvSpPr>
-        <p:spPr/>
-        <p:txBody>
-          <a:bodyPr/>
-          <a:p>
-            <a:fld id="{9CD191BC-8D31-48D3-BA9A-CB370D85B397}" type="slidenum">
+            <p:ph type="sldNum" idx="2"/>
+          </p:nvPr>
+        </p:nvSpPr>
+        <p:spPr/>
+        <p:txBody>
+          <a:bodyPr/>
+          <a:p>
+            <a:fld id="{31D1654E-A748-4422-88B2-68A11C763CDA}" type="slidenum">
               <a:t>&lt;#&gt;</a:t>
             </a:fld>
           </a:p>
@@ -1499,7 +1499,7 @@
             <a:spLocks noGrp="1"/>
           </p:cNvSpPr>
           <p:nvPr>
-            <p:ph type="dt" idx="1"/>
+            <p:ph type="dt" idx="3"/>
           </p:nvPr>
         </p:nvSpPr>
         <p:spPr/>
@@ -1547,8 +1547,8 @@
         </p:nvSpPr>
         <p:spPr>
           <a:xfrm>
-            <a:off x="10799640" y="4593240"/>
-            <a:ext cx="194392440" cy="19229400"/>
+            <a:off x="609120" y="121320"/>
+            <a:ext cx="10973520" cy="508320"/>
           </a:xfrm>
           <a:prstGeom prst="rect">
             <a:avLst/>
@@ -1566,7 +1566,7 @@
             <a:pPr indent="0" algn="ctr">
               <a:buNone/>
             </a:pPr>
-            <a:endParaRPr b="0" lang="pt-BR" sz="89380" spc="-1" strike="noStrike">
+            <a:endParaRPr b="0" lang="pt-BR" sz="110" spc="-1" strike="noStrike">
               <a:solidFill>
                 <a:srgbClr val="000000"/>
               </a:solidFill>
@@ -1582,7 +1582,7 @@
             <a:spLocks noGrp="1"/>
           </p:cNvSpPr>
           <p:nvPr>
-            <p:ph type="ftr" idx="2"/>
+            <p:ph type="ftr" idx="1"/>
           </p:nvPr>
         </p:nvSpPr>
         <p:spPr/>
@@ -1602,14 +1602,14 @@
             <a:spLocks noGrp="1"/>
           </p:cNvSpPr>
           <p:nvPr>
-            <p:ph type="sldNum" idx="3"/>
-          </p:nvPr>
-        </p:nvSpPr>
-        <p:spPr/>
-        <p:txBody>
-          <a:bodyPr/>
-          <a:p>
-            <a:fld id="{01046D76-0FA5-42A6-8A83-F576745168E7}" type="slidenum">
+            <p:ph type="sldNum" idx="2"/>
+          </p:nvPr>
+        </p:nvSpPr>
+        <p:spPr/>
+        <p:txBody>
+          <a:bodyPr/>
+          <a:p>
+            <a:fld id="{8563FE7F-E047-4E51-9361-3C87C19B5C9A}" type="slidenum">
               <a:t>&lt;#&gt;</a:t>
             </a:fld>
           </a:p>
@@ -1622,7 +1622,7 @@
             <a:spLocks noGrp="1"/>
           </p:cNvSpPr>
           <p:nvPr>
-            <p:ph type="dt" idx="1"/>
+            <p:ph type="dt" idx="3"/>
           </p:nvPr>
         </p:nvSpPr>
         <p:spPr/>
@@ -1670,8 +1670,8 @@
         </p:nvSpPr>
         <p:spPr>
           <a:xfrm>
-            <a:off x="10799640" y="4593240"/>
-            <a:ext cx="194392440" cy="89137440"/>
+            <a:off x="609120" y="121320"/>
+            <a:ext cx="10973520" cy="2357640"/>
           </a:xfrm>
           <a:prstGeom prst="rect">
             <a:avLst/>
@@ -1703,7 +1703,7 @@
             <a:spLocks noGrp="1"/>
           </p:cNvSpPr>
           <p:nvPr>
-            <p:ph type="ftr" idx="2"/>
+            <p:ph type="ftr" idx="1"/>
           </p:nvPr>
         </p:nvSpPr>
         <p:spPr/>
@@ -1723,14 +1723,14 @@
             <a:spLocks noGrp="1"/>
           </p:cNvSpPr>
           <p:nvPr>
-            <p:ph type="sldNum" idx="3"/>
-          </p:nvPr>
-        </p:nvSpPr>
-        <p:spPr/>
-        <p:txBody>
-          <a:bodyPr/>
-          <a:p>
-            <a:fld id="{A89A37F4-96B6-407A-8528-FA55D345017F}" type="slidenum">
+            <p:ph type="sldNum" idx="2"/>
+          </p:nvPr>
+        </p:nvSpPr>
+        <p:spPr/>
+        <p:txBody>
+          <a:bodyPr/>
+          <a:p>
+            <a:fld id="{AA57582E-E515-4684-A348-3D0B86B32F72}" type="slidenum">
               <a:t>&lt;#&gt;</a:t>
             </a:fld>
           </a:p>
@@ -1743,7 +1743,7 @@
             <a:spLocks noGrp="1"/>
           </p:cNvSpPr>
           <p:nvPr>
-            <p:ph type="dt" idx="1"/>
+            <p:ph type="dt" idx="3"/>
           </p:nvPr>
         </p:nvSpPr>
         <p:spPr/>
@@ -1791,8 +1791,8 @@
         </p:nvSpPr>
         <p:spPr>
           <a:xfrm>
-            <a:off x="10799640" y="4593240"/>
-            <a:ext cx="194392440" cy="19229400"/>
+            <a:off x="609120" y="121320"/>
+            <a:ext cx="10973520" cy="508320"/>
           </a:xfrm>
           <a:prstGeom prst="rect">
             <a:avLst/>
@@ -1810,7 +1810,7 @@
             <a:pPr indent="0" algn="ctr">
               <a:buNone/>
             </a:pPr>
-            <a:endParaRPr b="0" lang="pt-BR" sz="89380" spc="-1" strike="noStrike">
+            <a:endParaRPr b="0" lang="pt-BR" sz="110" spc="-1" strike="noStrike">
               <a:solidFill>
                 <a:srgbClr val="000000"/>
               </a:solidFill>
@@ -1831,8 +1831,8 @@
         </p:nvSpPr>
         <p:spPr>
           <a:xfrm>
-            <a:off x="10799640" y="26952840"/>
-            <a:ext cx="94863240" cy="31867560"/>
+            <a:off x="609480" y="712440"/>
+            <a:ext cx="5355000" cy="842400"/>
           </a:xfrm>
           <a:prstGeom prst="rect">
             <a:avLst/>
@@ -1849,11 +1849,11 @@
           <a:p>
             <a:pPr indent="0">
               <a:spcBef>
-                <a:spcPts val="28794"/>
+                <a:spcPts val="34"/>
               </a:spcBef>
               <a:buNone/>
             </a:pPr>
-            <a:endParaRPr b="0" lang="pt-BR" sz="65020" spc="-1" strike="noStrike">
+            <a:endParaRPr b="0" lang="pt-BR" sz="80" spc="-1" strike="noStrike">
               <a:solidFill>
                 <a:srgbClr val="000000"/>
               </a:solidFill>
@@ -1874,8 +1874,8 @@
         </p:nvSpPr>
         <p:spPr>
           <a:xfrm>
-            <a:off x="110406600" y="26952840"/>
-            <a:ext cx="94863240" cy="66808800"/>
+            <a:off x="6232680" y="712440"/>
+            <a:ext cx="5355000" cy="1766520"/>
           </a:xfrm>
           <a:prstGeom prst="rect">
             <a:avLst/>
@@ -1892,11 +1892,11 @@
           <a:p>
             <a:pPr indent="0">
               <a:spcBef>
-                <a:spcPts val="28794"/>
+                <a:spcPts val="34"/>
               </a:spcBef>
               <a:buNone/>
             </a:pPr>
-            <a:endParaRPr b="0" lang="pt-BR" sz="65020" spc="-1" strike="noStrike">
+            <a:endParaRPr b="0" lang="pt-BR" sz="80" spc="-1" strike="noStrike">
               <a:solidFill>
                 <a:srgbClr val="000000"/>
               </a:solidFill>
@@ -1917,8 +1917,8 @@
         </p:nvSpPr>
         <p:spPr>
           <a:xfrm>
-            <a:off x="10799640" y="61848360"/>
-            <a:ext cx="94863240" cy="31867560"/>
+            <a:off x="609480" y="1635120"/>
+            <a:ext cx="5355000" cy="842400"/>
           </a:xfrm>
           <a:prstGeom prst="rect">
             <a:avLst/>
@@ -1935,11 +1935,11 @@
           <a:p>
             <a:pPr indent="0">
               <a:spcBef>
-                <a:spcPts val="28794"/>
+                <a:spcPts val="34"/>
               </a:spcBef>
               <a:buNone/>
             </a:pPr>
-            <a:endParaRPr b="0" lang="pt-BR" sz="65020" spc="-1" strike="noStrike">
+            <a:endParaRPr b="0" lang="pt-BR" sz="80" spc="-1" strike="noStrike">
               <a:solidFill>
                 <a:srgbClr val="000000"/>
               </a:solidFill>
@@ -1955,7 +1955,7 @@
             <a:spLocks noGrp="1"/>
           </p:cNvSpPr>
           <p:nvPr>
-            <p:ph type="ftr" idx="2"/>
+            <p:ph type="ftr" idx="1"/>
           </p:nvPr>
         </p:nvSpPr>
         <p:spPr/>
@@ -1975,14 +1975,14 @@
             <a:spLocks noGrp="1"/>
           </p:cNvSpPr>
           <p:nvPr>
-            <p:ph type="sldNum" idx="3"/>
-          </p:nvPr>
-        </p:nvSpPr>
-        <p:spPr/>
-        <p:txBody>
-          <a:bodyPr/>
-          <a:p>
-            <a:fld id="{8F5AEDC0-A536-4FEE-B9CF-29A36856317B}" type="slidenum">
+            <p:ph type="sldNum" idx="2"/>
+          </p:nvPr>
+        </p:nvSpPr>
+        <p:spPr/>
+        <p:txBody>
+          <a:bodyPr/>
+          <a:p>
+            <a:fld id="{30F0DAAE-E0A2-4854-8865-5E5C4882FB53}" type="slidenum">
               <a:t>&lt;#&gt;</a:t>
             </a:fld>
           </a:p>
@@ -1995,7 +1995,7 @@
             <a:spLocks noGrp="1"/>
           </p:cNvSpPr>
           <p:nvPr>
-            <p:ph type="dt" idx="1"/>
+            <p:ph type="dt" idx="3"/>
           </p:nvPr>
         </p:nvSpPr>
         <p:spPr/>
@@ -2043,8 +2043,8 @@
         </p:nvSpPr>
         <p:spPr>
           <a:xfrm>
-            <a:off x="10799640" y="4593240"/>
-            <a:ext cx="194392440" cy="19229400"/>
+            <a:off x="609120" y="121320"/>
+            <a:ext cx="10973520" cy="508320"/>
           </a:xfrm>
           <a:prstGeom prst="rect">
             <a:avLst/>
@@ -2062,7 +2062,7 @@
             <a:pPr indent="0" algn="ctr">
               <a:buNone/>
             </a:pPr>
-            <a:endParaRPr b="0" lang="pt-BR" sz="89380" spc="-1" strike="noStrike">
+            <a:endParaRPr b="0" lang="pt-BR" sz="110" spc="-1" strike="noStrike">
               <a:solidFill>
                 <a:srgbClr val="000000"/>
               </a:solidFill>
@@ -2083,8 +2083,8 @@
         </p:nvSpPr>
         <p:spPr>
           <a:xfrm>
-            <a:off x="10799640" y="26952840"/>
-            <a:ext cx="94863240" cy="66808800"/>
+            <a:off x="609480" y="712440"/>
+            <a:ext cx="5355000" cy="1766520"/>
           </a:xfrm>
           <a:prstGeom prst="rect">
             <a:avLst/>
@@ -2101,11 +2101,11 @@
           <a:p>
             <a:pPr indent="0">
               <a:spcBef>
-                <a:spcPts val="28794"/>
+                <a:spcPts val="34"/>
               </a:spcBef>
               <a:buNone/>
             </a:pPr>
-            <a:endParaRPr b="0" lang="pt-BR" sz="65020" spc="-1" strike="noStrike">
+            <a:endParaRPr b="0" lang="pt-BR" sz="80" spc="-1" strike="noStrike">
               <a:solidFill>
                 <a:srgbClr val="000000"/>
               </a:solidFill>
@@ -2126,8 +2126,8 @@
         </p:nvSpPr>
         <p:spPr>
           <a:xfrm>
-            <a:off x="110406600" y="26952840"/>
-            <a:ext cx="94863240" cy="31867560"/>
+            <a:off x="6232680" y="712440"/>
+            <a:ext cx="5355000" cy="842400"/>
           </a:xfrm>
           <a:prstGeom prst="rect">
             <a:avLst/>
@@ -2144,11 +2144,11 @@
           <a:p>
             <a:pPr indent="0">
               <a:spcBef>
-                <a:spcPts val="28794"/>
+                <a:spcPts val="34"/>
               </a:spcBef>
               <a:buNone/>
             </a:pPr>
-            <a:endParaRPr b="0" lang="pt-BR" sz="65020" spc="-1" strike="noStrike">
+            <a:endParaRPr b="0" lang="pt-BR" sz="80" spc="-1" strike="noStrike">
               <a:solidFill>
                 <a:srgbClr val="000000"/>
               </a:solidFill>
@@ -2169,8 +2169,8 @@
         </p:nvSpPr>
         <p:spPr>
           <a:xfrm>
-            <a:off x="110406600" y="61848360"/>
-            <a:ext cx="94863240" cy="31867560"/>
+            <a:off x="6232680" y="1635120"/>
+            <a:ext cx="5355000" cy="842400"/>
           </a:xfrm>
           <a:prstGeom prst="rect">
             <a:avLst/>
@@ -2187,11 +2187,11 @@
           <a:p>
             <a:pPr indent="0">
               <a:spcBef>
-                <a:spcPts val="28794"/>
+                <a:spcPts val="34"/>
               </a:spcBef>
               <a:buNone/>
             </a:pPr>
-            <a:endParaRPr b="0" lang="pt-BR" sz="65020" spc="-1" strike="noStrike">
+            <a:endParaRPr b="0" lang="pt-BR" sz="80" spc="-1" strike="noStrike">
               <a:solidFill>
                 <a:srgbClr val="000000"/>
               </a:solidFill>
@@ -2207,7 +2207,7 @@
             <a:spLocks noGrp="1"/>
           </p:cNvSpPr>
           <p:nvPr>
-            <p:ph type="ftr" idx="2"/>
+            <p:ph type="ftr" idx="1"/>
           </p:nvPr>
         </p:nvSpPr>
         <p:spPr/>
@@ -2227,14 +2227,14 @@
             <a:spLocks noGrp="1"/>
           </p:cNvSpPr>
           <p:nvPr>
-            <p:ph type="sldNum" idx="3"/>
-          </p:nvPr>
-        </p:nvSpPr>
-        <p:spPr/>
-        <p:txBody>
-          <a:bodyPr/>
-          <a:p>
-            <a:fld id="{E450267D-AACF-404E-962D-93B2487F05FB}" type="slidenum">
+            <p:ph type="sldNum" idx="2"/>
+          </p:nvPr>
+        </p:nvSpPr>
+        <p:spPr/>
+        <p:txBody>
+          <a:bodyPr/>
+          <a:p>
+            <a:fld id="{89571C8C-8554-4F16-9EF6-7D148BF5A141}" type="slidenum">
               <a:t>&lt;#&gt;</a:t>
             </a:fld>
           </a:p>
@@ -2247,7 +2247,7 @@
             <a:spLocks noGrp="1"/>
           </p:cNvSpPr>
           <p:nvPr>
-            <p:ph type="dt" idx="1"/>
+            <p:ph type="dt" idx="3"/>
           </p:nvPr>
         </p:nvSpPr>
         <p:spPr/>
@@ -2295,8 +2295,8 @@
         </p:nvSpPr>
         <p:spPr>
           <a:xfrm>
-            <a:off x="10799640" y="4593240"/>
-            <a:ext cx="194392440" cy="19229400"/>
+            <a:off x="609120" y="121320"/>
+            <a:ext cx="10973520" cy="508320"/>
           </a:xfrm>
           <a:prstGeom prst="rect">
             <a:avLst/>
@@ -2314,7 +2314,7 @@
             <a:pPr indent="0" algn="ctr">
               <a:buNone/>
             </a:pPr>
-            <a:endParaRPr b="0" lang="pt-BR" sz="89380" spc="-1" strike="noStrike">
+            <a:endParaRPr b="0" lang="pt-BR" sz="110" spc="-1" strike="noStrike">
               <a:solidFill>
                 <a:srgbClr val="000000"/>
               </a:solidFill>
@@ -2335,8 +2335,8 @@
         </p:nvSpPr>
         <p:spPr>
           <a:xfrm>
-            <a:off x="10799640" y="26952840"/>
-            <a:ext cx="94863240" cy="31867560"/>
+            <a:off x="609480" y="712440"/>
+            <a:ext cx="5355000" cy="842400"/>
           </a:xfrm>
           <a:prstGeom prst="rect">
             <a:avLst/>
@@ -2353,11 +2353,11 @@
           <a:p>
             <a:pPr indent="0">
               <a:spcBef>
-                <a:spcPts val="28794"/>
+                <a:spcPts val="34"/>
               </a:spcBef>
               <a:buNone/>
             </a:pPr>
-            <a:endParaRPr b="0" lang="pt-BR" sz="65020" spc="-1" strike="noStrike">
+            <a:endParaRPr b="0" lang="pt-BR" sz="80" spc="-1" strike="noStrike">
               <a:solidFill>
                 <a:srgbClr val="000000"/>
               </a:solidFill>
@@ -2378,8 +2378,8 @@
         </p:nvSpPr>
         <p:spPr>
           <a:xfrm>
-            <a:off x="110406600" y="26952840"/>
-            <a:ext cx="94863240" cy="31867560"/>
+            <a:off x="6232680" y="712440"/>
+            <a:ext cx="5355000" cy="842400"/>
           </a:xfrm>
           <a:prstGeom prst="rect">
             <a:avLst/>
@@ -2396,11 +2396,11 @@
           <a:p>
             <a:pPr indent="0">
               <a:spcBef>
-                <a:spcPts val="28794"/>
+                <a:spcPts val="34"/>
               </a:spcBef>
               <a:buNone/>
             </a:pPr>
-            <a:endParaRPr b="0" lang="pt-BR" sz="65020" spc="-1" strike="noStrike">
+            <a:endParaRPr b="0" lang="pt-BR" sz="80" spc="-1" strike="noStrike">
               <a:solidFill>
                 <a:srgbClr val="000000"/>
               </a:solidFill>
@@ -2421,8 +2421,8 @@
         </p:nvSpPr>
         <p:spPr>
           <a:xfrm>
-            <a:off x="10799640" y="61848360"/>
-            <a:ext cx="194392440" cy="31867560"/>
+            <a:off x="609480" y="1635120"/>
+            <a:ext cx="10973880" cy="842400"/>
           </a:xfrm>
           <a:prstGeom prst="rect">
             <a:avLst/>
@@ -2439,11 +2439,11 @@
           <a:p>
             <a:pPr indent="0">
               <a:spcBef>
-                <a:spcPts val="28794"/>
+                <a:spcPts val="34"/>
               </a:spcBef>
               <a:buNone/>
             </a:pPr>
-            <a:endParaRPr b="0" lang="pt-BR" sz="65020" spc="-1" strike="noStrike">
+            <a:endParaRPr b="0" lang="pt-BR" sz="80" spc="-1" strike="noStrike">
               <a:solidFill>
                 <a:srgbClr val="000000"/>
               </a:solidFill>
@@ -2459,7 +2459,7 @@
             <a:spLocks noGrp="1"/>
           </p:cNvSpPr>
           <p:nvPr>
-            <p:ph type="ftr" idx="2"/>
+            <p:ph type="ftr" idx="1"/>
           </p:nvPr>
         </p:nvSpPr>
         <p:spPr/>
@@ -2479,14 +2479,14 @@
             <a:spLocks noGrp="1"/>
           </p:cNvSpPr>
           <p:nvPr>
-            <p:ph type="sldNum" idx="3"/>
-          </p:nvPr>
-        </p:nvSpPr>
-        <p:spPr/>
-        <p:txBody>
-          <a:bodyPr/>
-          <a:p>
-            <a:fld id="{F53F9489-E9BE-4773-BDD2-FCB492B69B18}" type="slidenum">
+            <p:ph type="sldNum" idx="2"/>
+          </p:nvPr>
+        </p:nvSpPr>
+        <p:spPr/>
+        <p:txBody>
+          <a:bodyPr/>
+          <a:p>
+            <a:fld id="{2008C888-6A7A-43AB-8BFC-FB5BCEC7B63D}" type="slidenum">
               <a:t>&lt;#&gt;</a:t>
             </a:fld>
           </a:p>
@@ -2499,7 +2499,7 @@
             <a:spLocks noGrp="1"/>
           </p:cNvSpPr>
           <p:nvPr>
-            <p:ph type="dt" idx="1"/>
+            <p:ph type="dt" idx="3"/>
           </p:nvPr>
         </p:nvSpPr>
         <p:spPr/>
@@ -2547,8 +2547,8 @@
         </p:nvSpPr>
         <p:spPr>
           <a:xfrm>
-            <a:off x="10799640" y="4593240"/>
-            <a:ext cx="194392440" cy="19229400"/>
+            <a:off x="609120" y="121320"/>
+            <a:ext cx="10973520" cy="508320"/>
           </a:xfrm>
           <a:prstGeom prst="rect">
             <a:avLst/>
@@ -2563,11 +2563,11 @@
             <a:noAutofit/>
           </a:bodyPr>
           <a:p>
-            <a:pPr indent="0" algn="ctr">
-              <a:buNone/>
-            </a:pPr>
-            <a:r>
-              <a:rPr b="0" lang="pt-BR" sz="89380" spc="-1" strike="noStrike">
+            <a:pPr indent="0">
+              <a:buNone/>
+            </a:pPr>
+            <a:r>
+              <a:rPr b="0" lang="pt-BR" sz="1800" spc="-1" strike="noStrike">
                 <a:solidFill>
                   <a:srgbClr val="000000"/>
                 </a:solidFill>
@@ -2575,7 +2575,7 @@
               </a:rPr>
               <a:t>Clique para editar o formato do texto do título</a:t>
             </a:r>
-            <a:endParaRPr b="0" lang="pt-BR" sz="89380" spc="-1" strike="noStrike">
+            <a:endParaRPr b="0" lang="pt-BR" sz="1800" spc="-1" strike="noStrike">
               <a:solidFill>
                 <a:srgbClr val="000000"/>
               </a:solidFill>
@@ -2591,238 +2591,13 @@
             <a:spLocks noGrp="1"/>
           </p:cNvSpPr>
           <p:nvPr>
-            <p:ph type="body"/>
-          </p:nvPr>
-        </p:nvSpPr>
-        <p:spPr>
-          <a:xfrm>
-            <a:off x="10799640" y="26952840"/>
-            <a:ext cx="194392440" cy="66808800"/>
-          </a:xfrm>
-          <a:prstGeom prst="rect">
-            <a:avLst/>
-          </a:prstGeom>
-          <a:noFill/>
-          <a:ln w="0">
-            <a:noFill/>
-          </a:ln>
-        </p:spPr>
-        <p:txBody>
-          <a:bodyPr lIns="0" rIns="0" tIns="0" bIns="0" anchor="t">
-            <a:normAutofit/>
-          </a:bodyPr>
-          <a:p>
-            <a:pPr marL="432000" indent="-324000">
-              <a:spcBef>
-                <a:spcPts val="28794"/>
-              </a:spcBef>
-              <a:buClr>
-                <a:srgbClr val="000000"/>
-              </a:buClr>
-              <a:buSzPct val="45000"/>
-              <a:buFont typeface="Wingdings" charset="2"/>
-              <a:buChar char=""/>
-            </a:pPr>
-            <a:r>
-              <a:rPr b="0" lang="pt-BR" sz="65020" spc="-1" strike="noStrike">
-                <a:solidFill>
-                  <a:srgbClr val="000000"/>
-                </a:solidFill>
-                <a:latin typeface="Arial"/>
-              </a:rPr>
-              <a:t>Clique para editar o formato de texto dos tópicos</a:t>
-            </a:r>
-            <a:endParaRPr b="0" lang="pt-BR" sz="65020" spc="-1" strike="noStrike">
-              <a:solidFill>
-                <a:srgbClr val="000000"/>
-              </a:solidFill>
-              <a:latin typeface="Arial"/>
-            </a:endParaRPr>
-          </a:p>
-          <a:p>
-            <a:pPr lvl="1" marL="864000" indent="-324000">
-              <a:spcBef>
-                <a:spcPts val="23034"/>
-              </a:spcBef>
-              <a:buClr>
-                <a:srgbClr val="000000"/>
-              </a:buClr>
-              <a:buSzPct val="75000"/>
-              <a:buFont typeface="Symbol" charset="2"/>
-              <a:buChar char=""/>
-            </a:pPr>
-            <a:r>
-              <a:rPr b="0" lang="pt-BR" sz="56900" spc="-1" strike="noStrike">
-                <a:solidFill>
-                  <a:srgbClr val="000000"/>
-                </a:solidFill>
-                <a:latin typeface="Arial"/>
-              </a:rPr>
-              <a:t>2.º nível de tópicos</a:t>
-            </a:r>
-            <a:endParaRPr b="0" lang="pt-BR" sz="56900" spc="-1" strike="noStrike">
-              <a:solidFill>
-                <a:srgbClr val="000000"/>
-              </a:solidFill>
-              <a:latin typeface="Arial"/>
-            </a:endParaRPr>
-          </a:p>
-          <a:p>
-            <a:pPr lvl="2" marL="1296000" indent="-288000">
-              <a:spcBef>
-                <a:spcPts val="17274"/>
-              </a:spcBef>
-              <a:buClr>
-                <a:srgbClr val="000000"/>
-              </a:buClr>
-              <a:buSzPct val="45000"/>
-              <a:buFont typeface="Wingdings" charset="2"/>
-              <a:buChar char=""/>
-            </a:pPr>
-            <a:r>
-              <a:rPr b="0" lang="pt-BR" sz="48780" spc="-1" strike="noStrike">
-                <a:solidFill>
-                  <a:srgbClr val="000000"/>
-                </a:solidFill>
-                <a:latin typeface="Arial"/>
-              </a:rPr>
-              <a:t>3.º nível de tópicos</a:t>
-            </a:r>
-            <a:endParaRPr b="0" lang="pt-BR" sz="48780" spc="-1" strike="noStrike">
-              <a:solidFill>
-                <a:srgbClr val="000000"/>
-              </a:solidFill>
-              <a:latin typeface="Arial"/>
-            </a:endParaRPr>
-          </a:p>
-          <a:p>
-            <a:pPr lvl="3" marL="1728000" indent="-216000">
-              <a:spcBef>
-                <a:spcPts val="11517"/>
-              </a:spcBef>
-              <a:buClr>
-                <a:srgbClr val="000000"/>
-              </a:buClr>
-              <a:buSzPct val="75000"/>
-              <a:buFont typeface="Symbol" charset="2"/>
-              <a:buChar char=""/>
-            </a:pPr>
-            <a:r>
-              <a:rPr b="0" lang="pt-BR" sz="40660" spc="-1" strike="noStrike">
-                <a:solidFill>
-                  <a:srgbClr val="000000"/>
-                </a:solidFill>
-                <a:latin typeface="Arial"/>
-              </a:rPr>
-              <a:t>4.º nível de tópicos</a:t>
-            </a:r>
-            <a:endParaRPr b="0" lang="pt-BR" sz="40660" spc="-1" strike="noStrike">
-              <a:solidFill>
-                <a:srgbClr val="000000"/>
-              </a:solidFill>
-              <a:latin typeface="Arial"/>
-            </a:endParaRPr>
-          </a:p>
-          <a:p>
-            <a:pPr lvl="4" marL="2160000" indent="-216000">
-              <a:spcBef>
-                <a:spcPts val="5757"/>
-              </a:spcBef>
-              <a:buClr>
-                <a:srgbClr val="000000"/>
-              </a:buClr>
-              <a:buSzPct val="45000"/>
-              <a:buFont typeface="Wingdings" charset="2"/>
-              <a:buChar char=""/>
-            </a:pPr>
-            <a:r>
-              <a:rPr b="0" lang="pt-BR" sz="40660" spc="-1" strike="noStrike">
-                <a:solidFill>
-                  <a:srgbClr val="000000"/>
-                </a:solidFill>
-                <a:latin typeface="Arial"/>
-              </a:rPr>
-              <a:t>5.º nível de tópicos</a:t>
-            </a:r>
-            <a:endParaRPr b="0" lang="pt-BR" sz="40660" spc="-1" strike="noStrike">
-              <a:solidFill>
-                <a:srgbClr val="000000"/>
-              </a:solidFill>
-              <a:latin typeface="Arial"/>
-            </a:endParaRPr>
-          </a:p>
-          <a:p>
-            <a:pPr lvl="5" marL="2592000" indent="-216000">
-              <a:spcBef>
-                <a:spcPts val="5757"/>
-              </a:spcBef>
-              <a:buClr>
-                <a:srgbClr val="000000"/>
-              </a:buClr>
-              <a:buSzPct val="45000"/>
-              <a:buFont typeface="Wingdings" charset="2"/>
-              <a:buChar char=""/>
-            </a:pPr>
-            <a:r>
-              <a:rPr b="0" lang="pt-BR" sz="40660" spc="-1" strike="noStrike">
-                <a:solidFill>
-                  <a:srgbClr val="000000"/>
-                </a:solidFill>
-                <a:latin typeface="Arial"/>
-              </a:rPr>
-              <a:t>6.º nível de tópicos</a:t>
-            </a:r>
-            <a:endParaRPr b="0" lang="pt-BR" sz="40660" spc="-1" strike="noStrike">
-              <a:solidFill>
-                <a:srgbClr val="000000"/>
-              </a:solidFill>
-              <a:latin typeface="Arial"/>
-            </a:endParaRPr>
-          </a:p>
-          <a:p>
-            <a:pPr lvl="6" marL="3024000" indent="-216000">
-              <a:spcBef>
-                <a:spcPts val="5757"/>
-              </a:spcBef>
-              <a:buClr>
-                <a:srgbClr val="000000"/>
-              </a:buClr>
-              <a:buSzPct val="45000"/>
-              <a:buFont typeface="Wingdings" charset="2"/>
-              <a:buChar char=""/>
-            </a:pPr>
-            <a:r>
-              <a:rPr b="0" lang="pt-BR" sz="40660" spc="-1" strike="noStrike">
-                <a:solidFill>
-                  <a:srgbClr val="000000"/>
-                </a:solidFill>
-                <a:latin typeface="Arial"/>
-              </a:rPr>
-              <a:t>7.º nível de tópicos</a:t>
-            </a:r>
-            <a:endParaRPr b="0" lang="pt-BR" sz="40660" spc="-1" strike="noStrike">
-              <a:solidFill>
-                <a:srgbClr val="000000"/>
-              </a:solidFill>
-              <a:latin typeface="Arial"/>
-            </a:endParaRPr>
-          </a:p>
-        </p:txBody>
-      </p:sp>
-      <p:sp>
-        <p:nvSpPr>
-          <p:cNvPr id="2" name="PlaceHolder 3"/>
-          <p:cNvSpPr>
-            <a:spLocks noGrp="1"/>
-          </p:cNvSpPr>
-          <p:nvPr>
-            <p:ph type="dt" idx="1"/>
-          </p:nvPr>
-        </p:nvSpPr>
-        <p:spPr>
-          <a:xfrm>
-            <a:off x="10799640" y="104945040"/>
-            <a:ext cx="50320440" cy="7935840"/>
+            <p:ph type="ftr" idx="1"/>
+          </p:nvPr>
+        </p:nvSpPr>
+        <p:spPr>
+          <a:xfrm>
+            <a:off x="4169880" y="2774160"/>
+            <a:ext cx="3864600" cy="209880"/>
           </a:xfrm>
           <a:prstGeom prst="rect">
             <a:avLst/>
@@ -2837,8 +2612,14 @@
             <a:noAutofit/>
           </a:bodyPr>
           <a:lstStyle>
-            <a:lvl1pPr indent="0">
-              <a:buNone/>
+            <a:lvl1pPr indent="0" algn="ctr">
+              <a:lnSpc>
+                <a:spcPct val="100000"/>
+              </a:lnSpc>
+              <a:buNone/>
+              <a:tabLst>
+                <a:tab algn="l" pos="0"/>
+              </a:tabLst>
               <a:defRPr b="0" lang="pt-BR" sz="1400" spc="-1" strike="noStrike">
                 <a:solidFill>
                   <a:srgbClr val="000000"/>
@@ -2848,8 +2629,14 @@
             </a:lvl1pPr>
           </a:lstStyle>
           <a:p>
-            <a:pPr indent="0">
-              <a:buNone/>
+            <a:pPr indent="0" algn="ctr">
+              <a:lnSpc>
+                <a:spcPct val="100000"/>
+              </a:lnSpc>
+              <a:buNone/>
+              <a:tabLst>
+                <a:tab algn="l" pos="0"/>
+              </a:tabLst>
             </a:pPr>
             <a:r>
               <a:rPr b="0" lang="pt-BR" sz="1400" spc="-1" strike="noStrike">
@@ -2858,7 +2645,7 @@
                 </a:solidFill>
                 <a:latin typeface="Times New Roman"/>
               </a:rPr>
-              <a:t>&lt;data/hora&gt;</a:t>
+              <a:t> </a:t>
             </a:r>
             <a:endParaRPr b="0" lang="pt-BR" sz="1400" spc="-1" strike="noStrike">
               <a:solidFill>
@@ -2871,18 +2658,18 @@
       </p:sp>
       <p:sp>
         <p:nvSpPr>
-          <p:cNvPr id="3" name="PlaceHolder 4"/>
-          <p:cNvSpPr>
-            <a:spLocks noGrp="1"/>
-          </p:cNvSpPr>
-          <p:nvPr>
-            <p:ph type="ftr" idx="2"/>
-          </p:nvPr>
-        </p:nvSpPr>
-        <p:spPr>
-          <a:xfrm>
-            <a:off x="73871640" y="104945040"/>
-            <a:ext cx="68464440" cy="7935840"/>
+          <p:cNvPr id="2" name="PlaceHolder 3"/>
+          <p:cNvSpPr>
+            <a:spLocks noGrp="1"/>
+          </p:cNvSpPr>
+          <p:nvPr>
+            <p:ph type="sldNum" idx="2"/>
+          </p:nvPr>
+        </p:nvSpPr>
+        <p:spPr>
+          <a:xfrm>
+            <a:off x="8742240" y="2774160"/>
+            <a:ext cx="2840400" cy="209880"/>
           </a:xfrm>
           <a:prstGeom prst="rect">
             <a:avLst/>
@@ -2897,8 +2684,14 @@
             <a:noAutofit/>
           </a:bodyPr>
           <a:lstStyle>
-            <a:lvl1pPr indent="0" algn="ctr">
-              <a:buNone/>
+            <a:lvl1pPr indent="0" algn="r">
+              <a:lnSpc>
+                <a:spcPct val="100000"/>
+              </a:lnSpc>
+              <a:buNone/>
+              <a:tabLst>
+                <a:tab algn="l" pos="0"/>
+              </a:tabLst>
               <a:defRPr b="0" lang="pt-BR" sz="1400" spc="-1" strike="noStrike">
                 <a:solidFill>
                   <a:srgbClr val="000000"/>
@@ -2908,18 +2701,24 @@
             </a:lvl1pPr>
           </a:lstStyle>
           <a:p>
-            <a:pPr indent="0" algn="ctr">
-              <a:buNone/>
-            </a:pPr>
-            <a:r>
+            <a:pPr indent="0" algn="r">
+              <a:lnSpc>
+                <a:spcPct val="100000"/>
+              </a:lnSpc>
+              <a:buNone/>
+              <a:tabLst>
+                <a:tab algn="l" pos="0"/>
+              </a:tabLst>
+            </a:pPr>
+            <a:fld id="{FC22944D-C219-400A-8139-C17FB9C396B8}" type="slidenum">
               <a:rPr b="0" lang="pt-BR" sz="1400" spc="-1" strike="noStrike">
                 <a:solidFill>
                   <a:srgbClr val="000000"/>
                 </a:solidFill>
                 <a:latin typeface="Times New Roman"/>
               </a:rPr>
-              <a:t>&lt;rodapé&gt;</a:t>
-            </a:r>
+              <a:t>1</a:t>
+            </a:fld>
             <a:endParaRPr b="0" lang="pt-BR" sz="1400" spc="-1" strike="noStrike">
               <a:solidFill>
                 <a:srgbClr val="000000"/>
@@ -2931,18 +2730,18 @@
       </p:sp>
       <p:sp>
         <p:nvSpPr>
-          <p:cNvPr id="4" name="PlaceHolder 5"/>
-          <p:cNvSpPr>
-            <a:spLocks noGrp="1"/>
-          </p:cNvSpPr>
-          <p:nvPr>
-            <p:ph type="sldNum" idx="3"/>
-          </p:nvPr>
-        </p:nvSpPr>
-        <p:spPr>
-          <a:xfrm>
-            <a:off x="154871640" y="104945040"/>
-            <a:ext cx="50320440" cy="7935840"/>
+          <p:cNvPr id="3" name="PlaceHolder 4"/>
+          <p:cNvSpPr>
+            <a:spLocks noGrp="1"/>
+          </p:cNvSpPr>
+          <p:nvPr>
+            <p:ph type="dt" idx="3"/>
+          </p:nvPr>
+        </p:nvSpPr>
+        <p:spPr>
+          <a:xfrm>
+            <a:off x="609120" y="2774160"/>
+            <a:ext cx="2840400" cy="209880"/>
           </a:xfrm>
           <a:prstGeom prst="rect">
             <a:avLst/>
@@ -2957,7 +2756,7 @@
             <a:noAutofit/>
           </a:bodyPr>
           <a:lstStyle>
-            <a:lvl1pPr indent="0" algn="r">
+            <a:lvl1pPr indent="0">
               <a:buNone/>
               <a:defRPr b="0" lang="pt-BR" sz="1400" spc="-1" strike="noStrike">
                 <a:solidFill>
@@ -2968,23 +2767,248 @@
             </a:lvl1pPr>
           </a:lstStyle>
           <a:p>
-            <a:pPr indent="0" algn="r">
-              <a:buNone/>
-            </a:pPr>
-            <a:fld id="{EB709857-CDF2-40D9-9645-077D710ABECB}" type="slidenum">
+            <a:pPr indent="0">
+              <a:buNone/>
+            </a:pPr>
+            <a:r>
               <a:rPr b="0" lang="pt-BR" sz="1400" spc="-1" strike="noStrike">
                 <a:solidFill>
                   <a:srgbClr val="000000"/>
                 </a:solidFill>
                 <a:latin typeface="Times New Roman"/>
               </a:rPr>
-              <a:t>&lt;número&gt;</a:t>
-            </a:fld>
+              <a:t> </a:t>
+            </a:r>
             <a:endParaRPr b="0" lang="pt-BR" sz="1400" spc="-1" strike="noStrike">
               <a:solidFill>
                 <a:srgbClr val="000000"/>
               </a:solidFill>
               <a:latin typeface="Times New Roman"/>
+            </a:endParaRPr>
+          </a:p>
+        </p:txBody>
+      </p:sp>
+      <p:sp>
+        <p:nvSpPr>
+          <p:cNvPr id="4" name="PlaceHolder 5"/>
+          <p:cNvSpPr>
+            <a:spLocks noGrp="1"/>
+          </p:cNvSpPr>
+          <p:nvPr>
+            <p:ph type="body"/>
+          </p:nvPr>
+        </p:nvSpPr>
+        <p:spPr>
+          <a:xfrm>
+            <a:off x="609480" y="712440"/>
+            <a:ext cx="10973880" cy="1766520"/>
+          </a:xfrm>
+          <a:prstGeom prst="rect">
+            <a:avLst/>
+          </a:prstGeom>
+          <a:noFill/>
+          <a:ln w="0">
+            <a:noFill/>
+          </a:ln>
+        </p:spPr>
+        <p:txBody>
+          <a:bodyPr lIns="0" rIns="0" tIns="0" bIns="0" anchor="t">
+            <a:normAutofit/>
+          </a:bodyPr>
+          <a:p>
+            <a:pPr marL="432000" indent="-324000">
+              <a:spcBef>
+                <a:spcPts val="34"/>
+              </a:spcBef>
+              <a:buClr>
+                <a:srgbClr val="000000"/>
+              </a:buClr>
+              <a:buSzPct val="45000"/>
+              <a:buFont typeface="Wingdings" charset="2"/>
+              <a:buChar char=""/>
+            </a:pPr>
+            <a:r>
+              <a:rPr b="0" lang="pt-BR" sz="80" spc="-1" strike="noStrike">
+                <a:solidFill>
+                  <a:srgbClr val="000000"/>
+                </a:solidFill>
+                <a:latin typeface="Arial"/>
+              </a:rPr>
+              <a:t>Clique para editar o formato de texto dos tópicos</a:t>
+            </a:r>
+            <a:endParaRPr b="0" lang="pt-BR" sz="80" spc="-1" strike="noStrike">
+              <a:solidFill>
+                <a:srgbClr val="000000"/>
+              </a:solidFill>
+              <a:latin typeface="Arial"/>
+            </a:endParaRPr>
+          </a:p>
+          <a:p>
+            <a:pPr lvl="1" marL="864000" indent="-324000">
+              <a:spcBef>
+                <a:spcPts val="26"/>
+              </a:spcBef>
+              <a:buClr>
+                <a:srgbClr val="000000"/>
+              </a:buClr>
+              <a:buSzPct val="75000"/>
+              <a:buFont typeface="Symbol" charset="2"/>
+              <a:buChar char=""/>
+            </a:pPr>
+            <a:r>
+              <a:rPr b="0" lang="pt-BR" sz="70" spc="-1" strike="noStrike">
+                <a:solidFill>
+                  <a:srgbClr val="000000"/>
+                </a:solidFill>
+                <a:latin typeface="Arial"/>
+              </a:rPr>
+              <a:t>2.º nível de tópicos</a:t>
+            </a:r>
+            <a:endParaRPr b="0" lang="pt-BR" sz="70" spc="-1" strike="noStrike">
+              <a:solidFill>
+                <a:srgbClr val="000000"/>
+              </a:solidFill>
+              <a:latin typeface="Arial"/>
+            </a:endParaRPr>
+          </a:p>
+          <a:p>
+            <a:pPr lvl="2" marL="1296000" indent="-288000">
+              <a:spcBef>
+                <a:spcPts val="20"/>
+              </a:spcBef>
+              <a:buClr>
+                <a:srgbClr val="000000"/>
+              </a:buClr>
+              <a:buSzPct val="45000"/>
+              <a:buFont typeface="Wingdings" charset="2"/>
+              <a:buChar char=""/>
+            </a:pPr>
+            <a:r>
+              <a:rPr b="0" lang="pt-BR" sz="60" spc="-1" strike="noStrike">
+                <a:solidFill>
+                  <a:srgbClr val="000000"/>
+                </a:solidFill>
+                <a:latin typeface="Arial"/>
+              </a:rPr>
+              <a:t>3.º nível de tópicos</a:t>
+            </a:r>
+            <a:endParaRPr b="0" lang="pt-BR" sz="60" spc="-1" strike="noStrike">
+              <a:solidFill>
+                <a:srgbClr val="000000"/>
+              </a:solidFill>
+              <a:latin typeface="Arial"/>
+            </a:endParaRPr>
+          </a:p>
+          <a:p>
+            <a:pPr lvl="3" marL="1728000" indent="-216000">
+              <a:spcBef>
+                <a:spcPts val="11"/>
+              </a:spcBef>
+              <a:buClr>
+                <a:srgbClr val="000000"/>
+              </a:buClr>
+              <a:buSzPct val="75000"/>
+              <a:buFont typeface="Symbol" charset="2"/>
+              <a:buChar char=""/>
+            </a:pPr>
+            <a:r>
+              <a:rPr b="0" lang="pt-BR" sz="50" spc="-1" strike="noStrike">
+                <a:solidFill>
+                  <a:srgbClr val="000000"/>
+                </a:solidFill>
+                <a:latin typeface="Arial"/>
+              </a:rPr>
+              <a:t>4.º nível de tópicos</a:t>
+            </a:r>
+            <a:endParaRPr b="0" lang="pt-BR" sz="50" spc="-1" strike="noStrike">
+              <a:solidFill>
+                <a:srgbClr val="000000"/>
+              </a:solidFill>
+              <a:latin typeface="Arial"/>
+            </a:endParaRPr>
+          </a:p>
+          <a:p>
+            <a:pPr lvl="4" marL="2160000" indent="-216000">
+              <a:spcBef>
+                <a:spcPts val="6"/>
+              </a:spcBef>
+              <a:buClr>
+                <a:srgbClr val="000000"/>
+              </a:buClr>
+              <a:buSzPct val="45000"/>
+              <a:buFont typeface="Wingdings" charset="2"/>
+              <a:buChar char=""/>
+            </a:pPr>
+            <a:r>
+              <a:rPr b="0" lang="pt-BR" sz="50" spc="-1" strike="noStrike">
+                <a:solidFill>
+                  <a:srgbClr val="000000"/>
+                </a:solidFill>
+                <a:latin typeface="Arial"/>
+              </a:rPr>
+              <a:t>5.º nível de tópicos</a:t>
+            </a:r>
+            <a:endParaRPr b="0" lang="pt-BR" sz="50" spc="-1" strike="noStrike">
+              <a:solidFill>
+                <a:srgbClr val="000000"/>
+              </a:solidFill>
+              <a:latin typeface="Arial"/>
+            </a:endParaRPr>
+          </a:p>
+          <a:p>
+            <a:pPr lvl="5" marL="2592000" indent="-216000">
+              <a:spcBef>
+                <a:spcPts val="6"/>
+              </a:spcBef>
+              <a:buClr>
+                <a:srgbClr val="000000"/>
+              </a:buClr>
+              <a:buSzPct val="45000"/>
+              <a:buFont typeface="Wingdings" charset="2"/>
+              <a:buChar char=""/>
+            </a:pPr>
+            <a:r>
+              <a:rPr b="0" lang="pt-BR" sz="50" spc="-1" strike="noStrike">
+                <a:solidFill>
+                  <a:srgbClr val="000000"/>
+                </a:solidFill>
+                <a:latin typeface="Arial"/>
+              </a:rPr>
+              <a:t>6.º nível de tópicos</a:t>
+            </a:r>
+            <a:endParaRPr b="0" lang="pt-BR" sz="50" spc="-1" strike="noStrike">
+              <a:solidFill>
+                <a:srgbClr val="000000"/>
+              </a:solidFill>
+              <a:latin typeface="Arial"/>
+            </a:endParaRPr>
+          </a:p>
+          <a:p>
+            <a:pPr lvl="6" marL="3024000" indent="-216000">
+              <a:spcBef>
+                <a:spcPts val="6"/>
+              </a:spcBef>
+              <a:buClr>
+                <a:srgbClr val="000000"/>
+              </a:buClr>
+              <a:buSzPct val="45000"/>
+              <a:buFont typeface="Wingdings" charset="2"/>
+              <a:buChar char=""/>
+            </a:pPr>
+            <a:r>
+              <a:rPr b="0" lang="pt-BR" sz="50" spc="-1" strike="noStrike">
+                <a:solidFill>
+                  <a:srgbClr val="000000"/>
+                </a:solidFill>
+                <a:latin typeface="Arial"/>
+              </a:rPr>
+              <a:t>7.º nível de tópicos</a:t>
+            </a:r>
+            <a:endParaRPr b="0" lang="pt-BR" sz="50" spc="-1" strike="noStrike">
+              <a:solidFill>
+                <a:srgbClr val="000000"/>
+              </a:solidFill>
+              <a:latin typeface="Arial"/>
             </a:endParaRPr>
           </a:p>
         </p:txBody>
@@ -3035,7 +3059,7 @@
         <p:spPr>
           <a:xfrm>
             <a:off x="0" y="0"/>
-            <a:ext cx="216000000" cy="115200000"/>
+            <a:ext cx="12193200" cy="3045600"/>
           </a:xfrm>
           <a:prstGeom prst="rect">
             <a:avLst/>
@@ -3046,14 +3070,14 @@
                 <a:srgbClr val="000000"/>
               </a:gs>
               <a:gs pos="100000">
-                <a:srgbClr val="2a6099"/>
+                <a:srgbClr val="00a933"/>
               </a:gs>
             </a:gsLst>
             <a:lin ang="5400000"/>
           </a:gradFill>
           <a:ln w="0">
             <a:solidFill>
-              <a:srgbClr val="3465a4"/>
+              <a:srgbClr val="729fcf"/>
             </a:solidFill>
           </a:ln>
         </p:spPr>
@@ -3068,11 +3092,17 @@
             <a:noAutofit/>
           </a:bodyPr>
           <a:p>
+            <a:pPr>
+              <a:lnSpc>
+                <a:spcPct val="100000"/>
+              </a:lnSpc>
+            </a:pPr>
             <a:endParaRPr b="0" lang="pt-BR" sz="1800" spc="-1" strike="noStrike">
               <a:solidFill>
                 <a:srgbClr val="000000"/>
               </a:solidFill>
               <a:latin typeface="Arial"/>
+              <a:ea typeface="DejaVu Sans"/>
             </a:endParaRPr>
           </a:p>
         </p:txBody>
@@ -3089,8 +3119,8 @@
         </p:blipFill>
         <p:spPr>
           <a:xfrm>
-            <a:off x="25020000" y="0"/>
-            <a:ext cx="83340000" cy="114077520"/>
+            <a:off x="872280" y="0"/>
+            <a:ext cx="2187720" cy="3045600"/>
           </a:xfrm>
           <a:prstGeom prst="rect">
             <a:avLst/>
@@ -3100,6 +3130,107 @@
           </a:ln>
         </p:spPr>
       </p:pic>
+      <p:sp>
+        <p:nvSpPr>
+          <p:cNvPr id="43" name=""/>
+          <p:cNvSpPr txBox="1"/>
+          <p:nvPr/>
+        </p:nvSpPr>
+        <p:spPr>
+          <a:xfrm>
+            <a:off x="3780000" y="1609560"/>
+            <a:ext cx="7207920" cy="1090440"/>
+          </a:xfrm>
+          <a:prstGeom prst="rect">
+            <a:avLst/>
+          </a:prstGeom>
+          <a:noFill/>
+          <a:ln w="0">
+            <a:noFill/>
+          </a:ln>
+        </p:spPr>
+        <p:txBody>
+          <a:bodyPr lIns="90000" rIns="90000" tIns="45000" bIns="45000" anchor="t">
+            <a:noAutofit/>
+          </a:bodyPr>
+          <a:p>
+            <a:r>
+              <a:rPr b="0" lang="pt-BR" sz="2800" spc="-1" strike="noStrike">
+                <a:solidFill>
+                  <a:srgbClr val="ffffff"/>
+                </a:solidFill>
+                <a:latin typeface="Arial Black"/>
+              </a:rPr>
+              <a:t>Usando Github Copilot com PLSQL</a:t>
+            </a:r>
+            <a:endParaRPr b="0" lang="pt-BR" sz="2800" spc="-1" strike="noStrike">
+              <a:solidFill>
+                <a:srgbClr val="ffffff"/>
+              </a:solidFill>
+              <a:latin typeface="Arial Black"/>
+            </a:endParaRPr>
+          </a:p>
+          <a:p>
+            <a:r>
+              <a:rPr b="0" lang="pt-BR" sz="2800" spc="-1" strike="noStrike">
+                <a:solidFill>
+                  <a:srgbClr val="ffffff"/>
+                </a:solidFill>
+                <a:latin typeface="Arial Black"/>
+              </a:rPr>
+              <a:t>Uma Revolução no Desenvolvimento</a:t>
+            </a:r>
+            <a:endParaRPr b="0" lang="pt-BR" sz="2800" spc="-1" strike="noStrike">
+              <a:solidFill>
+                <a:srgbClr val="ffffff"/>
+              </a:solidFill>
+              <a:latin typeface="Arial Black"/>
+            </a:endParaRPr>
+          </a:p>
+        </p:txBody>
+      </p:sp>
+      <p:sp>
+        <p:nvSpPr>
+          <p:cNvPr id="44" name=""/>
+          <p:cNvSpPr txBox="1"/>
+          <p:nvPr/>
+        </p:nvSpPr>
+        <p:spPr>
+          <a:xfrm>
+            <a:off x="3780000" y="553680"/>
+            <a:ext cx="2378160" cy="412200"/>
+          </a:xfrm>
+          <a:prstGeom prst="rect">
+            <a:avLst/>
+          </a:prstGeom>
+          <a:noFill/>
+          <a:ln w="0">
+            <a:noFill/>
+          </a:ln>
+        </p:spPr>
+        <p:txBody>
+          <a:bodyPr lIns="90000" rIns="90000" tIns="45000" bIns="45000" anchor="t">
+            <a:noAutofit/>
+          </a:bodyPr>
+          <a:p>
+            <a:r>
+              <a:rPr b="1" lang="pt-BR" sz="1800" spc="-1" strike="noStrike">
+                <a:solidFill>
+                  <a:srgbClr val="ffffff"/>
+                </a:solidFill>
+                <a:latin typeface="Arial Black"/>
+              </a:rPr>
+              <a:t>GITHUB COPILOT</a:t>
+            </a:r>
+            <a:endParaRPr b="1" lang="pt-BR" sz="1800" spc="-1" strike="noStrike">
+              <a:solidFill>
+                <a:srgbClr val="000000"/>
+              </a:solidFill>
+              <a:latin typeface="Arial Black"/>
+            </a:endParaRPr>
+          </a:p>
+        </p:txBody>
+      </p:sp>
     </p:spTree>
   </p:cSld>
   <mc:AlternateContent>
@@ -3118,10 +3249,10 @@
   <a:themeElements>
     <a:clrScheme name="Office">
       <a:dk1>
-        <a:sysClr val="windowText" lastClr="000000"/>
+        <a:srgbClr val="000000"/>
       </a:dk1>
       <a:lt1>
-        <a:sysClr val="window" lastClr="FFFFFF"/>
+        <a:srgbClr val="ffffff"/>
       </a:lt1>
       <a:dk2>
         <a:srgbClr val="1f497d"/>
